--- a/presentations/example4.pptx
+++ b/presentations/example4.pptx
@@ -105,6 +105,11 @@
       </a:defRPr>
     </a:lvl9pPr>
   </p:defaultTextStyle>
+  <p:extLst>
+    <p:ext uri="{EFAFB233-063F-42B5-8137-9DF3F51BA10A}">
+      <p15:sldGuideLst xmlns:p15="http://schemas.microsoft.com/office/powerpoint/2012/main"/>
+    </p:ext>
+  </p:extLst>
 </p:presentation>
 </file>
 
@@ -150,10 +155,9 @@
           </a:lstStyle>
           <a:p>
             <a:r>
-              <a:rPr lang="en-US" smtClean="0"/>
+              <a:rPr lang="en-US"/>
               <a:t>Click to edit Master title style</a:t>
             </a:r>
-            <a:endParaRPr lang="en-US"/>
           </a:p>
         </p:txBody>
       </p:sp>
@@ -215,10 +219,9 @@
           </a:lstStyle>
           <a:p>
             <a:r>
-              <a:rPr lang="en-US" smtClean="0"/>
+              <a:rPr lang="en-US"/>
               <a:t>Click to edit Master subtitle style</a:t>
             </a:r>
-            <a:endParaRPr lang="en-US"/>
           </a:p>
         </p:txBody>
       </p:sp>
@@ -239,7 +242,7 @@
           <a:p>
             <a:fld id="{1BFD0A59-E693-44A7-806B-1956980B0034}" type="datetimeFigureOut">
               <a:rPr lang="en-US" smtClean="0"/>
-              <a:t>5/6/2021</a:t>
+              <a:t>5/8/2021</a:t>
             </a:fld>
             <a:endParaRPr lang="en-US"/>
           </a:p>
@@ -333,10 +336,9 @@
           <a:lstStyle/>
           <a:p>
             <a:r>
-              <a:rPr lang="en-US" smtClean="0"/>
+              <a:rPr lang="en-US"/>
               <a:t>Click to edit Master title style</a:t>
             </a:r>
-            <a:endParaRPr lang="en-US"/>
           </a:p>
         </p:txBody>
       </p:sp>
@@ -357,38 +359,37 @@
           <a:p>
             <a:pPr lvl="0"/>
             <a:r>
-              <a:rPr lang="en-US" smtClean="0"/>
+              <a:rPr lang="en-US"/>
               <a:t>Edit Master text styles</a:t>
             </a:r>
           </a:p>
           <a:p>
             <a:pPr lvl="1"/>
             <a:r>
-              <a:rPr lang="en-US" smtClean="0"/>
+              <a:rPr lang="en-US"/>
               <a:t>Second level</a:t>
             </a:r>
           </a:p>
           <a:p>
             <a:pPr lvl="2"/>
             <a:r>
-              <a:rPr lang="en-US" smtClean="0"/>
+              <a:rPr lang="en-US"/>
               <a:t>Third level</a:t>
             </a:r>
           </a:p>
           <a:p>
             <a:pPr lvl="3"/>
             <a:r>
-              <a:rPr lang="en-US" smtClean="0"/>
+              <a:rPr lang="en-US"/>
               <a:t>Fourth level</a:t>
             </a:r>
           </a:p>
           <a:p>
             <a:pPr lvl="4"/>
             <a:r>
-              <a:rPr lang="en-US" smtClean="0"/>
+              <a:rPr lang="en-US"/>
               <a:t>Fifth level</a:t>
             </a:r>
-            <a:endParaRPr lang="en-US"/>
           </a:p>
         </p:txBody>
       </p:sp>
@@ -409,7 +410,7 @@
           <a:p>
             <a:fld id="{1BFD0A59-E693-44A7-806B-1956980B0034}" type="datetimeFigureOut">
               <a:rPr lang="en-US" smtClean="0"/>
-              <a:t>5/6/2021</a:t>
+              <a:t>5/8/2021</a:t>
             </a:fld>
             <a:endParaRPr lang="en-US"/>
           </a:p>
@@ -508,10 +509,9 @@
           <a:lstStyle/>
           <a:p>
             <a:r>
-              <a:rPr lang="en-US" smtClean="0"/>
+              <a:rPr lang="en-US"/>
               <a:t>Click to edit Master title style</a:t>
             </a:r>
-            <a:endParaRPr lang="en-US"/>
           </a:p>
         </p:txBody>
       </p:sp>
@@ -537,38 +537,37 @@
           <a:p>
             <a:pPr lvl="0"/>
             <a:r>
-              <a:rPr lang="en-US" smtClean="0"/>
+              <a:rPr lang="en-US"/>
               <a:t>Edit Master text styles</a:t>
             </a:r>
           </a:p>
           <a:p>
             <a:pPr lvl="1"/>
             <a:r>
-              <a:rPr lang="en-US" smtClean="0"/>
+              <a:rPr lang="en-US"/>
               <a:t>Second level</a:t>
             </a:r>
           </a:p>
           <a:p>
             <a:pPr lvl="2"/>
             <a:r>
-              <a:rPr lang="en-US" smtClean="0"/>
+              <a:rPr lang="en-US"/>
               <a:t>Third level</a:t>
             </a:r>
           </a:p>
           <a:p>
             <a:pPr lvl="3"/>
             <a:r>
-              <a:rPr lang="en-US" smtClean="0"/>
+              <a:rPr lang="en-US"/>
               <a:t>Fourth level</a:t>
             </a:r>
           </a:p>
           <a:p>
             <a:pPr lvl="4"/>
             <a:r>
-              <a:rPr lang="en-US" smtClean="0"/>
+              <a:rPr lang="en-US"/>
               <a:t>Fifth level</a:t>
             </a:r>
-            <a:endParaRPr lang="en-US"/>
           </a:p>
         </p:txBody>
       </p:sp>
@@ -589,7 +588,7 @@
           <a:p>
             <a:fld id="{1BFD0A59-E693-44A7-806B-1956980B0034}" type="datetimeFigureOut">
               <a:rPr lang="en-US" smtClean="0"/>
-              <a:t>5/6/2021</a:t>
+              <a:t>5/8/2021</a:t>
             </a:fld>
             <a:endParaRPr lang="en-US"/>
           </a:p>
@@ -683,10 +682,9 @@
           <a:lstStyle/>
           <a:p>
             <a:r>
-              <a:rPr lang="en-US" smtClean="0"/>
+              <a:rPr lang="en-US"/>
               <a:t>Click to edit Master title style</a:t>
             </a:r>
-            <a:endParaRPr lang="en-US"/>
           </a:p>
         </p:txBody>
       </p:sp>
@@ -707,38 +705,37 @@
           <a:p>
             <a:pPr lvl="0"/>
             <a:r>
-              <a:rPr lang="en-US" smtClean="0"/>
+              <a:rPr lang="en-US"/>
               <a:t>Edit Master text styles</a:t>
             </a:r>
           </a:p>
           <a:p>
             <a:pPr lvl="1"/>
             <a:r>
-              <a:rPr lang="en-US" smtClean="0"/>
+              <a:rPr lang="en-US"/>
               <a:t>Second level</a:t>
             </a:r>
           </a:p>
           <a:p>
             <a:pPr lvl="2"/>
             <a:r>
-              <a:rPr lang="en-US" smtClean="0"/>
+              <a:rPr lang="en-US"/>
               <a:t>Third level</a:t>
             </a:r>
           </a:p>
           <a:p>
             <a:pPr lvl="3"/>
             <a:r>
-              <a:rPr lang="en-US" smtClean="0"/>
+              <a:rPr lang="en-US"/>
               <a:t>Fourth level</a:t>
             </a:r>
           </a:p>
           <a:p>
             <a:pPr lvl="4"/>
             <a:r>
-              <a:rPr lang="en-US" smtClean="0"/>
+              <a:rPr lang="en-US"/>
               <a:t>Fifth level</a:t>
             </a:r>
-            <a:endParaRPr lang="en-US"/>
           </a:p>
         </p:txBody>
       </p:sp>
@@ -759,7 +756,7 @@
           <a:p>
             <a:fld id="{1BFD0A59-E693-44A7-806B-1956980B0034}" type="datetimeFigureOut">
               <a:rPr lang="en-US" smtClean="0"/>
-              <a:t>5/6/2021</a:t>
+              <a:t>5/8/2021</a:t>
             </a:fld>
             <a:endParaRPr lang="en-US"/>
           </a:p>
@@ -862,10 +859,9 @@
           </a:lstStyle>
           <a:p>
             <a:r>
-              <a:rPr lang="en-US" smtClean="0"/>
+              <a:rPr lang="en-US"/>
               <a:t>Click to edit Master title style</a:t>
             </a:r>
-            <a:endParaRPr lang="en-US"/>
           </a:p>
         </p:txBody>
       </p:sp>
@@ -982,7 +978,7 @@
           <a:p>
             <a:pPr lvl="0"/>
             <a:r>
-              <a:rPr lang="en-US" smtClean="0"/>
+              <a:rPr lang="en-US"/>
               <a:t>Edit Master text styles</a:t>
             </a:r>
           </a:p>
@@ -1005,7 +1001,7 @@
           <a:p>
             <a:fld id="{1BFD0A59-E693-44A7-806B-1956980B0034}" type="datetimeFigureOut">
               <a:rPr lang="en-US" smtClean="0"/>
-              <a:t>5/6/2021</a:t>
+              <a:t>5/8/2021</a:t>
             </a:fld>
             <a:endParaRPr lang="en-US"/>
           </a:p>
@@ -1099,10 +1095,9 @@
           <a:lstStyle/>
           <a:p>
             <a:r>
-              <a:rPr lang="en-US" smtClean="0"/>
+              <a:rPr lang="en-US"/>
               <a:t>Click to edit Master title style</a:t>
             </a:r>
-            <a:endParaRPr lang="en-US"/>
           </a:p>
         </p:txBody>
       </p:sp>
@@ -1128,38 +1123,37 @@
           <a:p>
             <a:pPr lvl="0"/>
             <a:r>
-              <a:rPr lang="en-US" smtClean="0"/>
+              <a:rPr lang="en-US"/>
               <a:t>Edit Master text styles</a:t>
             </a:r>
           </a:p>
           <a:p>
             <a:pPr lvl="1"/>
             <a:r>
-              <a:rPr lang="en-US" smtClean="0"/>
+              <a:rPr lang="en-US"/>
               <a:t>Second level</a:t>
             </a:r>
           </a:p>
           <a:p>
             <a:pPr lvl="2"/>
             <a:r>
-              <a:rPr lang="en-US" smtClean="0"/>
+              <a:rPr lang="en-US"/>
               <a:t>Third level</a:t>
             </a:r>
           </a:p>
           <a:p>
             <a:pPr lvl="3"/>
             <a:r>
-              <a:rPr lang="en-US" smtClean="0"/>
+              <a:rPr lang="en-US"/>
               <a:t>Fourth level</a:t>
             </a:r>
           </a:p>
           <a:p>
             <a:pPr lvl="4"/>
             <a:r>
-              <a:rPr lang="en-US" smtClean="0"/>
+              <a:rPr lang="en-US"/>
               <a:t>Fifth level</a:t>
             </a:r>
-            <a:endParaRPr lang="en-US"/>
           </a:p>
         </p:txBody>
       </p:sp>
@@ -1185,38 +1179,37 @@
           <a:p>
             <a:pPr lvl="0"/>
             <a:r>
-              <a:rPr lang="en-US" smtClean="0"/>
+              <a:rPr lang="en-US"/>
               <a:t>Edit Master text styles</a:t>
             </a:r>
           </a:p>
           <a:p>
             <a:pPr lvl="1"/>
             <a:r>
-              <a:rPr lang="en-US" smtClean="0"/>
+              <a:rPr lang="en-US"/>
               <a:t>Second level</a:t>
             </a:r>
           </a:p>
           <a:p>
             <a:pPr lvl="2"/>
             <a:r>
-              <a:rPr lang="en-US" smtClean="0"/>
+              <a:rPr lang="en-US"/>
               <a:t>Third level</a:t>
             </a:r>
           </a:p>
           <a:p>
             <a:pPr lvl="3"/>
             <a:r>
-              <a:rPr lang="en-US" smtClean="0"/>
+              <a:rPr lang="en-US"/>
               <a:t>Fourth level</a:t>
             </a:r>
           </a:p>
           <a:p>
             <a:pPr lvl="4"/>
             <a:r>
-              <a:rPr lang="en-US" smtClean="0"/>
+              <a:rPr lang="en-US"/>
               <a:t>Fifth level</a:t>
             </a:r>
-            <a:endParaRPr lang="en-US"/>
           </a:p>
         </p:txBody>
       </p:sp>
@@ -1237,7 +1230,7 @@
           <a:p>
             <a:fld id="{1BFD0A59-E693-44A7-806B-1956980B0034}" type="datetimeFigureOut">
               <a:rPr lang="en-US" smtClean="0"/>
-              <a:t>5/6/2021</a:t>
+              <a:t>5/8/2021</a:t>
             </a:fld>
             <a:endParaRPr lang="en-US"/>
           </a:p>
@@ -1336,10 +1329,9 @@
           <a:lstStyle/>
           <a:p>
             <a:r>
-              <a:rPr lang="en-US" smtClean="0"/>
+              <a:rPr lang="en-US"/>
               <a:t>Click to edit Master title style</a:t>
             </a:r>
-            <a:endParaRPr lang="en-US"/>
           </a:p>
         </p:txBody>
       </p:sp>
@@ -1402,7 +1394,7 @@
           <a:p>
             <a:pPr lvl="0"/>
             <a:r>
-              <a:rPr lang="en-US" smtClean="0"/>
+              <a:rPr lang="en-US"/>
               <a:t>Edit Master text styles</a:t>
             </a:r>
           </a:p>
@@ -1430,38 +1422,37 @@
           <a:p>
             <a:pPr lvl="0"/>
             <a:r>
-              <a:rPr lang="en-US" smtClean="0"/>
+              <a:rPr lang="en-US"/>
               <a:t>Edit Master text styles</a:t>
             </a:r>
           </a:p>
           <a:p>
             <a:pPr lvl="1"/>
             <a:r>
-              <a:rPr lang="en-US" smtClean="0"/>
+              <a:rPr lang="en-US"/>
               <a:t>Second level</a:t>
             </a:r>
           </a:p>
           <a:p>
             <a:pPr lvl="2"/>
             <a:r>
-              <a:rPr lang="en-US" smtClean="0"/>
+              <a:rPr lang="en-US"/>
               <a:t>Third level</a:t>
             </a:r>
           </a:p>
           <a:p>
             <a:pPr lvl="3"/>
             <a:r>
-              <a:rPr lang="en-US" smtClean="0"/>
+              <a:rPr lang="en-US"/>
               <a:t>Fourth level</a:t>
             </a:r>
           </a:p>
           <a:p>
             <a:pPr lvl="4"/>
             <a:r>
-              <a:rPr lang="en-US" smtClean="0"/>
+              <a:rPr lang="en-US"/>
               <a:t>Fifth level</a:t>
             </a:r>
-            <a:endParaRPr lang="en-US"/>
           </a:p>
         </p:txBody>
       </p:sp>
@@ -1524,7 +1515,7 @@
           <a:p>
             <a:pPr lvl="0"/>
             <a:r>
-              <a:rPr lang="en-US" smtClean="0"/>
+              <a:rPr lang="en-US"/>
               <a:t>Edit Master text styles</a:t>
             </a:r>
           </a:p>
@@ -1552,38 +1543,37 @@
           <a:p>
             <a:pPr lvl="0"/>
             <a:r>
-              <a:rPr lang="en-US" smtClean="0"/>
+              <a:rPr lang="en-US"/>
               <a:t>Edit Master text styles</a:t>
             </a:r>
           </a:p>
           <a:p>
             <a:pPr lvl="1"/>
             <a:r>
-              <a:rPr lang="en-US" smtClean="0"/>
+              <a:rPr lang="en-US"/>
               <a:t>Second level</a:t>
             </a:r>
           </a:p>
           <a:p>
             <a:pPr lvl="2"/>
             <a:r>
-              <a:rPr lang="en-US" smtClean="0"/>
+              <a:rPr lang="en-US"/>
               <a:t>Third level</a:t>
             </a:r>
           </a:p>
           <a:p>
             <a:pPr lvl="3"/>
             <a:r>
-              <a:rPr lang="en-US" smtClean="0"/>
+              <a:rPr lang="en-US"/>
               <a:t>Fourth level</a:t>
             </a:r>
           </a:p>
           <a:p>
             <a:pPr lvl="4"/>
             <a:r>
-              <a:rPr lang="en-US" smtClean="0"/>
+              <a:rPr lang="en-US"/>
               <a:t>Fifth level</a:t>
             </a:r>
-            <a:endParaRPr lang="en-US"/>
           </a:p>
         </p:txBody>
       </p:sp>
@@ -1604,7 +1594,7 @@
           <a:p>
             <a:fld id="{1BFD0A59-E693-44A7-806B-1956980B0034}" type="datetimeFigureOut">
               <a:rPr lang="en-US" smtClean="0"/>
-              <a:t>5/6/2021</a:t>
+              <a:t>5/8/2021</a:t>
             </a:fld>
             <a:endParaRPr lang="en-US"/>
           </a:p>
@@ -1698,10 +1688,9 @@
           <a:lstStyle/>
           <a:p>
             <a:r>
-              <a:rPr lang="en-US" smtClean="0"/>
+              <a:rPr lang="en-US"/>
               <a:t>Click to edit Master title style</a:t>
             </a:r>
-            <a:endParaRPr lang="en-US"/>
           </a:p>
         </p:txBody>
       </p:sp>
@@ -1722,7 +1711,7 @@
           <a:p>
             <a:fld id="{1BFD0A59-E693-44A7-806B-1956980B0034}" type="datetimeFigureOut">
               <a:rPr lang="en-US" smtClean="0"/>
-              <a:t>5/6/2021</a:t>
+              <a:t>5/8/2021</a:t>
             </a:fld>
             <a:endParaRPr lang="en-US"/>
           </a:p>
@@ -1817,7 +1806,7 @@
           <a:p>
             <a:fld id="{1BFD0A59-E693-44A7-806B-1956980B0034}" type="datetimeFigureOut">
               <a:rPr lang="en-US" smtClean="0"/>
-              <a:t>5/6/2021</a:t>
+              <a:t>5/8/2021</a:t>
             </a:fld>
             <a:endParaRPr lang="en-US"/>
           </a:p>
@@ -1920,10 +1909,9 @@
           </a:lstStyle>
           <a:p>
             <a:r>
-              <a:rPr lang="en-US" smtClean="0"/>
+              <a:rPr lang="en-US"/>
               <a:t>Click to edit Master title style</a:t>
             </a:r>
-            <a:endParaRPr lang="en-US"/>
           </a:p>
         </p:txBody>
       </p:sp>
@@ -1977,38 +1965,37 @@
           <a:p>
             <a:pPr lvl="0"/>
             <a:r>
-              <a:rPr lang="en-US" smtClean="0"/>
+              <a:rPr lang="en-US"/>
               <a:t>Edit Master text styles</a:t>
             </a:r>
           </a:p>
           <a:p>
             <a:pPr lvl="1"/>
             <a:r>
-              <a:rPr lang="en-US" smtClean="0"/>
+              <a:rPr lang="en-US"/>
               <a:t>Second level</a:t>
             </a:r>
           </a:p>
           <a:p>
             <a:pPr lvl="2"/>
             <a:r>
-              <a:rPr lang="en-US" smtClean="0"/>
+              <a:rPr lang="en-US"/>
               <a:t>Third level</a:t>
             </a:r>
           </a:p>
           <a:p>
             <a:pPr lvl="3"/>
             <a:r>
-              <a:rPr lang="en-US" smtClean="0"/>
+              <a:rPr lang="en-US"/>
               <a:t>Fourth level</a:t>
             </a:r>
           </a:p>
           <a:p>
             <a:pPr lvl="4"/>
             <a:r>
-              <a:rPr lang="en-US" smtClean="0"/>
+              <a:rPr lang="en-US"/>
               <a:t>Fifth level</a:t>
             </a:r>
-            <a:endParaRPr lang="en-US"/>
           </a:p>
         </p:txBody>
       </p:sp>
@@ -2071,7 +2058,7 @@
           <a:p>
             <a:pPr lvl="0"/>
             <a:r>
-              <a:rPr lang="en-US" smtClean="0"/>
+              <a:rPr lang="en-US"/>
               <a:t>Edit Master text styles</a:t>
             </a:r>
           </a:p>
@@ -2094,7 +2081,7 @@
           <a:p>
             <a:fld id="{1BFD0A59-E693-44A7-806B-1956980B0034}" type="datetimeFigureOut">
               <a:rPr lang="en-US" smtClean="0"/>
-              <a:t>5/6/2021</a:t>
+              <a:t>5/8/2021</a:t>
             </a:fld>
             <a:endParaRPr lang="en-US"/>
           </a:p>
@@ -2197,10 +2184,9 @@
           </a:lstStyle>
           <a:p>
             <a:r>
-              <a:rPr lang="en-US" smtClean="0"/>
+              <a:rPr lang="en-US"/>
               <a:t>Click to edit Master title style</a:t>
             </a:r>
-            <a:endParaRPr lang="en-US"/>
           </a:p>
         </p:txBody>
       </p:sp>
@@ -2324,7 +2310,7 @@
           <a:p>
             <a:pPr lvl="0"/>
             <a:r>
-              <a:rPr lang="en-US" smtClean="0"/>
+              <a:rPr lang="en-US"/>
               <a:t>Edit Master text styles</a:t>
             </a:r>
           </a:p>
@@ -2347,7 +2333,7 @@
           <a:p>
             <a:fld id="{1BFD0A59-E693-44A7-806B-1956980B0034}" type="datetimeFigureOut">
               <a:rPr lang="en-US" smtClean="0"/>
-              <a:t>5/6/2021</a:t>
+              <a:t>5/8/2021</a:t>
             </a:fld>
             <a:endParaRPr lang="en-US"/>
           </a:p>
@@ -2456,10 +2442,9 @@
           <a:lstStyle/>
           <a:p>
             <a:r>
-              <a:rPr lang="en-US" smtClean="0"/>
+              <a:rPr lang="en-US"/>
               <a:t>Click to edit Master title style</a:t>
             </a:r>
-            <a:endParaRPr lang="en-US"/>
           </a:p>
         </p:txBody>
       </p:sp>
@@ -2490,38 +2475,37 @@
           <a:p>
             <a:pPr lvl="0"/>
             <a:r>
-              <a:rPr lang="en-US" smtClean="0"/>
+              <a:rPr lang="en-US"/>
               <a:t>Edit Master text styles</a:t>
             </a:r>
           </a:p>
           <a:p>
             <a:pPr lvl="1"/>
             <a:r>
-              <a:rPr lang="en-US" smtClean="0"/>
+              <a:rPr lang="en-US"/>
               <a:t>Second level</a:t>
             </a:r>
           </a:p>
           <a:p>
             <a:pPr lvl="2"/>
             <a:r>
-              <a:rPr lang="en-US" smtClean="0"/>
+              <a:rPr lang="en-US"/>
               <a:t>Third level</a:t>
             </a:r>
           </a:p>
           <a:p>
             <a:pPr lvl="3"/>
             <a:r>
-              <a:rPr lang="en-US" smtClean="0"/>
+              <a:rPr lang="en-US"/>
               <a:t>Fourth level</a:t>
             </a:r>
           </a:p>
           <a:p>
             <a:pPr lvl="4"/>
             <a:r>
-              <a:rPr lang="en-US" smtClean="0"/>
+              <a:rPr lang="en-US"/>
               <a:t>Fifth level</a:t>
             </a:r>
-            <a:endParaRPr lang="en-US"/>
           </a:p>
         </p:txBody>
       </p:sp>
@@ -2560,7 +2544,7 @@
           <a:p>
             <a:fld id="{1BFD0A59-E693-44A7-806B-1956980B0034}" type="datetimeFigureOut">
               <a:rPr lang="en-US" smtClean="0"/>
-              <a:t>5/6/2021</a:t>
+              <a:t>5/8/2021</a:t>
             </a:fld>
             <a:endParaRPr lang="en-US"/>
           </a:p>
@@ -2986,30 +2970,29 @@
           <a:lstStyle/>
           <a:p>
             <a:r>
-              <a:rPr lang="ru-RU" dirty="0" smtClean="0"/>
+              <a:rPr lang="ru-RU" dirty="0"/>
               <a:t>Создание </a:t>
             </a:r>
             <a:r>
-              <a:rPr lang="ru-RU" dirty="0" err="1" smtClean="0"/>
+              <a:rPr lang="ru-RU" dirty="0" err="1"/>
               <a:t>бина</a:t>
             </a:r>
             <a:r>
-              <a:rPr lang="ru-RU" dirty="0" smtClean="0"/>
+              <a:rPr lang="ru-RU" dirty="0"/>
               <a:t> через статический фабричный метод(</a:t>
             </a:r>
             <a:r>
-              <a:rPr lang="en-US" dirty="0" smtClean="0"/>
+              <a:rPr lang="en-US" dirty="0"/>
               <a:t>factory method</a:t>
             </a:r>
             <a:r>
-              <a:rPr lang="ru-RU" dirty="0" smtClean="0"/>
+              <a:rPr lang="ru-RU" dirty="0"/>
               <a:t>)</a:t>
             </a:r>
             <a:r>
-              <a:rPr lang="en-US" dirty="0" smtClean="0"/>
+              <a:rPr lang="en-US" dirty="0"/>
               <a:t>.</a:t>
             </a:r>
-            <a:endParaRPr lang="en-US" dirty="0"/>
           </a:p>
         </p:txBody>
       </p:sp>
@@ -3037,23 +3020,15 @@
               <a:buNone/>
             </a:pPr>
             <a:r>
-              <a:rPr lang="ru-RU" dirty="0" smtClean="0"/>
-              <a:t>Объекты из </a:t>
-            </a:r>
-            <a:r>
-              <a:rPr lang="ru-RU" dirty="0" err="1" smtClean="0"/>
-              <a:t>бинов</a:t>
-            </a:r>
-            <a:r>
-              <a:rPr lang="ru-RU" dirty="0" smtClean="0"/>
-              <a:t> можно создавать через свои собственные </a:t>
-            </a:r>
-            <a:r>
-              <a:rPr lang="ru-RU" dirty="0" err="1" smtClean="0"/>
+              <a:rPr lang="ru-RU" dirty="0"/>
+              <a:t>Объекты можно создавать через свои собственные </a:t>
+            </a:r>
+            <a:r>
+              <a:rPr lang="ru-RU" dirty="0" err="1"/>
               <a:t>factory</a:t>
             </a:r>
             <a:r>
-              <a:rPr lang="ru-RU" dirty="0" smtClean="0"/>
+              <a:rPr lang="ru-RU" dirty="0"/>
               <a:t>-методы.</a:t>
             </a:r>
           </a:p>
@@ -3062,7 +3037,7 @@
               <a:buNone/>
             </a:pPr>
             <a:r>
-              <a:rPr lang="ru-RU" dirty="0" smtClean="0"/>
+              <a:rPr lang="ru-RU" dirty="0"/>
               <a:t>Для этого необходимо определить такой метод в классе</a:t>
             </a:r>
           </a:p>
@@ -3070,7 +3045,7 @@
             <a:pPr marL="0" indent="0">
               <a:buNone/>
             </a:pPr>
-            <a:endParaRPr lang="ru-RU" dirty="0" smtClean="0"/>
+            <a:endParaRPr lang="ru-RU" dirty="0"/>
           </a:p>
           <a:p>
             <a:pPr marL="0" indent="0">
@@ -3090,7 +3065,7 @@
         </p:nvSpPr>
         <p:spPr bwMode="auto">
           <a:xfrm>
-            <a:off x="981075" y="4009591"/>
+            <a:off x="981075" y="3907552"/>
             <a:ext cx="8039100" cy="2585323"/>
           </a:xfrm>
           <a:prstGeom prst="rect">
@@ -3151,7 +3126,7 @@
               <a:tabLst/>
             </a:pPr>
             <a:r>
-              <a:rPr kumimoji="0" lang="en-US" altLang="en-US" b="0" i="0" u="none" strike="noStrike" cap="none" normalizeH="0" baseline="0" dirty="0" smtClean="0">
+              <a:rPr kumimoji="0" lang="en-US" altLang="en-US" b="0" i="0" u="none" strike="noStrike" cap="none" normalizeH="0" baseline="0" dirty="0">
                 <a:ln>
                   <a:noFill/>
                 </a:ln>
@@ -3164,7 +3139,7 @@
               <a:t>public static </a:t>
             </a:r>
             <a:r>
-              <a:rPr kumimoji="0" lang="en-US" altLang="en-US" b="0" i="0" u="none" strike="noStrike" cap="none" normalizeH="0" baseline="0" dirty="0" smtClean="0">
+              <a:rPr kumimoji="0" lang="en-US" altLang="en-US" b="0" i="0" u="none" strike="noStrike" cap="none" normalizeH="0" baseline="0" dirty="0">
                 <a:ln>
                   <a:noFill/>
                 </a:ln>
@@ -3177,7 +3152,7 @@
               <a:t>Person </a:t>
             </a:r>
             <a:r>
-              <a:rPr kumimoji="0" lang="en-US" altLang="en-US" b="0" i="0" u="none" strike="noStrike" cap="none" normalizeH="0" baseline="0" dirty="0" err="1" smtClean="0">
+              <a:rPr kumimoji="0" lang="en-US" altLang="en-US" b="0" i="0" u="none" strike="noStrike" cap="none" normalizeH="0" baseline="0" dirty="0" err="1">
                 <a:ln>
                   <a:noFill/>
                 </a:ln>
@@ -3190,7 +3165,7 @@
               <a:t>createInstance</a:t>
             </a:r>
             <a:r>
-              <a:rPr kumimoji="0" lang="en-US" altLang="en-US" b="0" i="0" u="none" strike="noStrike" cap="none" normalizeH="0" baseline="0" dirty="0" smtClean="0">
+              <a:rPr kumimoji="0" lang="en-US" altLang="en-US" b="0" i="0" u="none" strike="noStrike" cap="none" normalizeH="0" baseline="0" dirty="0">
                 <a:ln>
                   <a:noFill/>
                 </a:ln>
@@ -3203,7 +3178,7 @@
               <a:t> </a:t>
             </a:r>
             <a:r>
-              <a:rPr kumimoji="0" lang="en-US" altLang="en-US" b="0" i="0" u="none" strike="noStrike" cap="none" normalizeH="0" baseline="0" dirty="0" smtClean="0">
+              <a:rPr kumimoji="0" lang="en-US" altLang="en-US" b="0" i="0" u="none" strike="noStrike" cap="none" normalizeH="0" baseline="0" dirty="0">
                 <a:ln>
                   <a:noFill/>
                 </a:ln>
@@ -3216,7 +3191,7 @@
               <a:t>(String name</a:t>
             </a:r>
             <a:r>
-              <a:rPr kumimoji="0" lang="en-US" altLang="en-US" b="0" i="0" u="none" strike="noStrike" cap="none" normalizeH="0" baseline="0" dirty="0" smtClean="0">
+              <a:rPr kumimoji="0" lang="en-US" altLang="en-US" b="0" i="0" u="none" strike="noStrike" cap="none" normalizeH="0" baseline="0" dirty="0">
                 <a:ln>
                   <a:noFill/>
                 </a:ln>
@@ -3229,7 +3204,7 @@
               <a:t>, </a:t>
             </a:r>
             <a:r>
-              <a:rPr kumimoji="0" lang="en-US" altLang="en-US" b="0" i="0" u="none" strike="noStrike" cap="none" normalizeH="0" baseline="0" dirty="0" err="1" smtClean="0">
+              <a:rPr kumimoji="0" lang="en-US" altLang="en-US" b="0" i="0" u="none" strike="noStrike" cap="none" normalizeH="0" baseline="0" dirty="0" err="1">
                 <a:ln>
                   <a:noFill/>
                 </a:ln>
@@ -3242,7 +3217,7 @@
               <a:t>int</a:t>
             </a:r>
             <a:r>
-              <a:rPr kumimoji="0" lang="en-US" altLang="en-US" b="0" i="0" u="none" strike="noStrike" cap="none" normalizeH="0" baseline="0" dirty="0" smtClean="0">
+              <a:rPr kumimoji="0" lang="en-US" altLang="en-US" b="0" i="0" u="none" strike="noStrike" cap="none" normalizeH="0" baseline="0" dirty="0">
                 <a:ln>
                   <a:noFill/>
                 </a:ln>
@@ -3255,7 +3230,7 @@
               <a:t> </a:t>
             </a:r>
             <a:r>
-              <a:rPr kumimoji="0" lang="en-US" altLang="en-US" b="0" i="0" u="none" strike="noStrike" cap="none" normalizeH="0" baseline="0" dirty="0" smtClean="0">
+              <a:rPr kumimoji="0" lang="en-US" altLang="en-US" b="0" i="0" u="none" strike="noStrike" cap="none" normalizeH="0" baseline="0" dirty="0">
                 <a:ln>
                   <a:noFill/>
                 </a:ln>
@@ -3268,7 +3243,7 @@
               <a:t>age){</a:t>
             </a:r>
             <a:br>
-              <a:rPr kumimoji="0" lang="en-US" altLang="en-US" b="0" i="0" u="none" strike="noStrike" cap="none" normalizeH="0" baseline="0" dirty="0" smtClean="0">
+              <a:rPr kumimoji="0" lang="en-US" altLang="en-US" b="0" i="0" u="none" strike="noStrike" cap="none" normalizeH="0" baseline="0" dirty="0">
                 <a:ln>
                   <a:noFill/>
                 </a:ln>
@@ -3280,7 +3255,7 @@
               </a:rPr>
             </a:br>
             <a:r>
-              <a:rPr kumimoji="0" lang="en-US" altLang="en-US" b="0" i="0" u="none" strike="noStrike" cap="none" normalizeH="0" baseline="0" dirty="0" smtClean="0">
+              <a:rPr kumimoji="0" lang="en-US" altLang="en-US" b="0" i="0" u="none" strike="noStrike" cap="none" normalizeH="0" baseline="0" dirty="0">
                 <a:ln>
                   <a:noFill/>
                 </a:ln>
@@ -3293,7 +3268,7 @@
               <a:t>    Person </a:t>
             </a:r>
             <a:r>
-              <a:rPr kumimoji="0" lang="en-US" altLang="en-US" b="0" i="0" u="none" strike="noStrike" cap="none" normalizeH="0" baseline="0" dirty="0" err="1" smtClean="0">
+              <a:rPr kumimoji="0" lang="en-US" altLang="en-US" b="0" i="0" u="none" strike="noStrike" cap="none" normalizeH="0" baseline="0" dirty="0" err="1">
                 <a:ln>
                   <a:noFill/>
                 </a:ln>
@@ -3306,7 +3281,7 @@
               <a:t>person</a:t>
             </a:r>
             <a:r>
-              <a:rPr kumimoji="0" lang="en-US" altLang="en-US" b="0" i="0" u="none" strike="noStrike" cap="none" normalizeH="0" baseline="0" dirty="0" smtClean="0">
+              <a:rPr kumimoji="0" lang="en-US" altLang="en-US" b="0" i="0" u="none" strike="noStrike" cap="none" normalizeH="0" baseline="0" dirty="0">
                 <a:ln>
                   <a:noFill/>
                 </a:ln>
@@ -3319,7 +3294,7 @@
               <a:t> = </a:t>
             </a:r>
             <a:r>
-              <a:rPr kumimoji="0" lang="en-US" altLang="en-US" b="0" i="0" u="none" strike="noStrike" cap="none" normalizeH="0" baseline="0" dirty="0" smtClean="0">
+              <a:rPr kumimoji="0" lang="en-US" altLang="en-US" b="0" i="0" u="none" strike="noStrike" cap="none" normalizeH="0" baseline="0" dirty="0">
                 <a:ln>
                   <a:noFill/>
                 </a:ln>
@@ -3332,7 +3307,7 @@
               <a:t>new </a:t>
             </a:r>
             <a:r>
-              <a:rPr kumimoji="0" lang="en-US" altLang="en-US" b="0" i="0" u="none" strike="noStrike" cap="none" normalizeH="0" baseline="0" dirty="0" smtClean="0">
+              <a:rPr kumimoji="0" lang="en-US" altLang="en-US" b="0" i="0" u="none" strike="noStrike" cap="none" normalizeH="0" baseline="0" dirty="0">
                 <a:ln>
                   <a:noFill/>
                 </a:ln>
@@ -3345,7 +3320,7 @@
               <a:t>Person(name</a:t>
             </a:r>
             <a:r>
-              <a:rPr kumimoji="0" lang="en-US" altLang="en-US" b="0" i="0" u="none" strike="noStrike" cap="none" normalizeH="0" baseline="0" dirty="0" smtClean="0">
+              <a:rPr kumimoji="0" lang="en-US" altLang="en-US" b="0" i="0" u="none" strike="noStrike" cap="none" normalizeH="0" baseline="0" dirty="0">
                 <a:ln>
                   <a:noFill/>
                 </a:ln>
@@ -3358,7 +3333,7 @@
               <a:t>, </a:t>
             </a:r>
             <a:r>
-              <a:rPr kumimoji="0" lang="en-US" altLang="en-US" b="0" i="0" u="none" strike="noStrike" cap="none" normalizeH="0" baseline="0" dirty="0" smtClean="0">
+              <a:rPr kumimoji="0" lang="en-US" altLang="en-US" b="0" i="0" u="none" strike="noStrike" cap="none" normalizeH="0" baseline="0" dirty="0">
                 <a:ln>
                   <a:noFill/>
                 </a:ln>
@@ -3371,7 +3346,7 @@
               <a:t>age)</a:t>
             </a:r>
             <a:r>
-              <a:rPr kumimoji="0" lang="en-US" altLang="en-US" b="0" i="0" u="none" strike="noStrike" cap="none" normalizeH="0" baseline="0" dirty="0" smtClean="0">
+              <a:rPr kumimoji="0" lang="en-US" altLang="en-US" b="0" i="0" u="none" strike="noStrike" cap="none" normalizeH="0" baseline="0" dirty="0">
                 <a:ln>
                   <a:noFill/>
                 </a:ln>
@@ -3384,7 +3359,7 @@
               <a:t>;</a:t>
             </a:r>
             <a:br>
-              <a:rPr kumimoji="0" lang="en-US" altLang="en-US" b="0" i="0" u="none" strike="noStrike" cap="none" normalizeH="0" baseline="0" dirty="0" smtClean="0">
+              <a:rPr kumimoji="0" lang="en-US" altLang="en-US" b="0" i="0" u="none" strike="noStrike" cap="none" normalizeH="0" baseline="0" dirty="0">
                 <a:ln>
                   <a:noFill/>
                 </a:ln>
@@ -3396,7 +3371,7 @@
               </a:rPr>
             </a:br>
             <a:r>
-              <a:rPr kumimoji="0" lang="en-US" altLang="en-US" b="0" i="0" u="none" strike="noStrike" cap="none" normalizeH="0" baseline="0" dirty="0" smtClean="0">
+              <a:rPr kumimoji="0" lang="en-US" altLang="en-US" b="0" i="0" u="none" strike="noStrike" cap="none" normalizeH="0" baseline="0" dirty="0">
                 <a:ln>
                   <a:noFill/>
                 </a:ln>
@@ -3409,7 +3384,7 @@
               <a:t>    if</a:t>
             </a:r>
             <a:r>
-              <a:rPr kumimoji="0" lang="en-US" altLang="en-US" b="0" i="0" u="none" strike="noStrike" cap="none" normalizeH="0" baseline="0" dirty="0" smtClean="0">
+              <a:rPr kumimoji="0" lang="en-US" altLang="en-US" b="0" i="0" u="none" strike="noStrike" cap="none" normalizeH="0" baseline="0" dirty="0">
                 <a:ln>
                   <a:noFill/>
                 </a:ln>
@@ -3422,7 +3397,7 @@
               <a:t>(</a:t>
             </a:r>
             <a:r>
-              <a:rPr kumimoji="0" lang="en-US" altLang="en-US" b="0" i="0" u="none" strike="noStrike" cap="none" normalizeH="0" baseline="0" dirty="0" err="1" smtClean="0">
+              <a:rPr kumimoji="0" lang="en-US" altLang="en-US" b="0" i="0" u="none" strike="noStrike" cap="none" normalizeH="0" baseline="0" dirty="0" err="1">
                 <a:ln>
                   <a:noFill/>
                 </a:ln>
@@ -3435,7 +3410,7 @@
               <a:t>person.</a:t>
             </a:r>
             <a:r>
-              <a:rPr kumimoji="0" lang="en-US" altLang="en-US" b="0" i="0" u="none" strike="noStrike" cap="none" normalizeH="0" baseline="0" dirty="0" err="1" smtClean="0">
+              <a:rPr kumimoji="0" lang="en-US" altLang="en-US" b="0" i="0" u="none" strike="noStrike" cap="none" normalizeH="0" baseline="0" dirty="0" err="1">
                 <a:ln>
                   <a:noFill/>
                 </a:ln>
@@ -3448,7 +3423,7 @@
               <a:t>age</a:t>
             </a:r>
             <a:r>
-              <a:rPr kumimoji="0" lang="en-US" altLang="en-US" b="0" i="0" u="none" strike="noStrike" cap="none" normalizeH="0" baseline="0" dirty="0" smtClean="0">
+              <a:rPr kumimoji="0" lang="en-US" altLang="en-US" b="0" i="0" u="none" strike="noStrike" cap="none" normalizeH="0" baseline="0" dirty="0">
                 <a:ln>
                   <a:noFill/>
                 </a:ln>
@@ -3461,7 +3436,7 @@
               <a:t> </a:t>
             </a:r>
             <a:r>
-              <a:rPr kumimoji="0" lang="en-US" altLang="en-US" b="0" i="0" u="none" strike="noStrike" cap="none" normalizeH="0" baseline="0" dirty="0" smtClean="0">
+              <a:rPr kumimoji="0" lang="en-US" altLang="en-US" b="0" i="0" u="none" strike="noStrike" cap="none" normalizeH="0" baseline="0" dirty="0">
                 <a:ln>
                   <a:noFill/>
                 </a:ln>
@@ -3474,7 +3449,7 @@
               <a:t>&gt;= </a:t>
             </a:r>
             <a:r>
-              <a:rPr kumimoji="0" lang="en-US" altLang="en-US" b="0" i="0" u="none" strike="noStrike" cap="none" normalizeH="0" baseline="0" dirty="0" smtClean="0">
+              <a:rPr kumimoji="0" lang="en-US" altLang="en-US" b="0" i="0" u="none" strike="noStrike" cap="none" normalizeH="0" baseline="0" dirty="0">
                 <a:ln>
                   <a:noFill/>
                 </a:ln>
@@ -3487,7 +3462,7 @@
               <a:t>18</a:t>
             </a:r>
             <a:r>
-              <a:rPr kumimoji="0" lang="en-US" altLang="en-US" b="0" i="0" u="none" strike="noStrike" cap="none" normalizeH="0" baseline="0" dirty="0" smtClean="0">
+              <a:rPr kumimoji="0" lang="en-US" altLang="en-US" b="0" i="0" u="none" strike="noStrike" cap="none" normalizeH="0" baseline="0" dirty="0">
                 <a:ln>
                   <a:noFill/>
                 </a:ln>
@@ -3500,7 +3475,7 @@
               <a:t>){</a:t>
             </a:r>
             <a:br>
-              <a:rPr kumimoji="0" lang="en-US" altLang="en-US" b="0" i="0" u="none" strike="noStrike" cap="none" normalizeH="0" baseline="0" dirty="0" smtClean="0">
+              <a:rPr kumimoji="0" lang="en-US" altLang="en-US" b="0" i="0" u="none" strike="noStrike" cap="none" normalizeH="0" baseline="0" dirty="0">
                 <a:ln>
                   <a:noFill/>
                 </a:ln>
@@ -3512,7 +3487,7 @@
               </a:rPr>
             </a:br>
             <a:r>
-              <a:rPr kumimoji="0" lang="en-US" altLang="en-US" b="0" i="0" u="none" strike="noStrike" cap="none" normalizeH="0" baseline="0" dirty="0" smtClean="0">
+              <a:rPr kumimoji="0" lang="en-US" altLang="en-US" b="0" i="0" u="none" strike="noStrike" cap="none" normalizeH="0" baseline="0" dirty="0">
                 <a:ln>
                   <a:noFill/>
                 </a:ln>
@@ -3525,7 +3500,7 @@
               <a:t>        </a:t>
             </a:r>
             <a:r>
-              <a:rPr kumimoji="0" lang="en-US" altLang="en-US" b="0" i="0" u="none" strike="noStrike" cap="none" normalizeH="0" baseline="0" dirty="0" err="1" smtClean="0">
+              <a:rPr kumimoji="0" lang="en-US" altLang="en-US" b="0" i="0" u="none" strike="noStrike" cap="none" normalizeH="0" baseline="0" dirty="0" err="1">
                 <a:ln>
                   <a:noFill/>
                 </a:ln>
@@ -3538,7 +3513,7 @@
               <a:t>person.setAdult</a:t>
             </a:r>
             <a:r>
-              <a:rPr kumimoji="0" lang="en-US" altLang="en-US" b="0" i="0" u="none" strike="noStrike" cap="none" normalizeH="0" baseline="0" dirty="0" smtClean="0">
+              <a:rPr kumimoji="0" lang="en-US" altLang="en-US" b="0" i="0" u="none" strike="noStrike" cap="none" normalizeH="0" baseline="0" dirty="0">
                 <a:ln>
                   <a:noFill/>
                 </a:ln>
@@ -3551,7 +3526,7 @@
               <a:t>(</a:t>
             </a:r>
             <a:r>
-              <a:rPr kumimoji="0" lang="en-US" altLang="en-US" b="0" i="0" u="none" strike="noStrike" cap="none" normalizeH="0" baseline="0" dirty="0" smtClean="0">
+              <a:rPr kumimoji="0" lang="en-US" altLang="en-US" b="0" i="0" u="none" strike="noStrike" cap="none" normalizeH="0" baseline="0" dirty="0">
                 <a:ln>
                   <a:noFill/>
                 </a:ln>
@@ -3564,7 +3539,7 @@
               <a:t>true</a:t>
             </a:r>
             <a:r>
-              <a:rPr kumimoji="0" lang="en-US" altLang="en-US" b="0" i="0" u="none" strike="noStrike" cap="none" normalizeH="0" baseline="0" dirty="0" smtClean="0">
+              <a:rPr kumimoji="0" lang="en-US" altLang="en-US" b="0" i="0" u="none" strike="noStrike" cap="none" normalizeH="0" baseline="0" dirty="0">
                 <a:ln>
                   <a:noFill/>
                 </a:ln>
@@ -3577,7 +3552,7 @@
               <a:t>)</a:t>
             </a:r>
             <a:r>
-              <a:rPr kumimoji="0" lang="en-US" altLang="en-US" b="0" i="0" u="none" strike="noStrike" cap="none" normalizeH="0" baseline="0" dirty="0" smtClean="0">
+              <a:rPr kumimoji="0" lang="en-US" altLang="en-US" b="0" i="0" u="none" strike="noStrike" cap="none" normalizeH="0" baseline="0" dirty="0">
                 <a:ln>
                   <a:noFill/>
                 </a:ln>
@@ -3590,7 +3565,7 @@
               <a:t>;</a:t>
             </a:r>
             <a:br>
-              <a:rPr kumimoji="0" lang="en-US" altLang="en-US" b="0" i="0" u="none" strike="noStrike" cap="none" normalizeH="0" baseline="0" dirty="0" smtClean="0">
+              <a:rPr kumimoji="0" lang="en-US" altLang="en-US" b="0" i="0" u="none" strike="noStrike" cap="none" normalizeH="0" baseline="0" dirty="0">
                 <a:ln>
                   <a:noFill/>
                 </a:ln>
@@ -3602,7 +3577,7 @@
               </a:rPr>
             </a:br>
             <a:r>
-              <a:rPr kumimoji="0" lang="en-US" altLang="en-US" b="0" i="0" u="none" strike="noStrike" cap="none" normalizeH="0" baseline="0" dirty="0" smtClean="0">
+              <a:rPr kumimoji="0" lang="en-US" altLang="en-US" b="0" i="0" u="none" strike="noStrike" cap="none" normalizeH="0" baseline="0" dirty="0">
                 <a:ln>
                   <a:noFill/>
                 </a:ln>
@@ -3615,7 +3590,7 @@
               <a:t>    </a:t>
             </a:r>
             <a:r>
-              <a:rPr kumimoji="0" lang="en-US" altLang="en-US" b="0" i="0" u="none" strike="noStrike" cap="none" normalizeH="0" baseline="0" dirty="0" smtClean="0">
+              <a:rPr kumimoji="0" lang="en-US" altLang="en-US" b="0" i="0" u="none" strike="noStrike" cap="none" normalizeH="0" baseline="0" dirty="0">
                 <a:ln>
                   <a:noFill/>
                 </a:ln>
@@ -3628,7 +3603,7 @@
               <a:t>}</a:t>
             </a:r>
             <a:br>
-              <a:rPr kumimoji="0" lang="en-US" altLang="en-US" b="0" i="0" u="none" strike="noStrike" cap="none" normalizeH="0" baseline="0" dirty="0" smtClean="0">
+              <a:rPr kumimoji="0" lang="en-US" altLang="en-US" b="0" i="0" u="none" strike="noStrike" cap="none" normalizeH="0" baseline="0" dirty="0">
                 <a:ln>
                   <a:noFill/>
                 </a:ln>
@@ -3640,7 +3615,7 @@
               </a:rPr>
             </a:br>
             <a:r>
-              <a:rPr kumimoji="0" lang="en-US" altLang="en-US" b="0" i="0" u="none" strike="noStrike" cap="none" normalizeH="0" baseline="0" dirty="0" smtClean="0">
+              <a:rPr kumimoji="0" lang="en-US" altLang="en-US" b="0" i="0" u="none" strike="noStrike" cap="none" normalizeH="0" baseline="0" dirty="0">
                 <a:ln>
                   <a:noFill/>
                 </a:ln>
@@ -3653,7 +3628,7 @@
               <a:t>    </a:t>
             </a:r>
             <a:r>
-              <a:rPr kumimoji="0" lang="en-US" altLang="en-US" b="0" i="0" u="none" strike="noStrike" cap="none" normalizeH="0" baseline="0" dirty="0" smtClean="0">
+              <a:rPr kumimoji="0" lang="en-US" altLang="en-US" b="0" i="0" u="none" strike="noStrike" cap="none" normalizeH="0" baseline="0" dirty="0">
                 <a:ln>
                   <a:noFill/>
                 </a:ln>
@@ -3666,7 +3641,7 @@
               <a:t>//or some other operations with the instance</a:t>
             </a:r>
             <a:br>
-              <a:rPr kumimoji="0" lang="en-US" altLang="en-US" b="0" i="0" u="none" strike="noStrike" cap="none" normalizeH="0" baseline="0" dirty="0" smtClean="0">
+              <a:rPr kumimoji="0" lang="en-US" altLang="en-US" b="0" i="0" u="none" strike="noStrike" cap="none" normalizeH="0" baseline="0" dirty="0">
                 <a:ln>
                   <a:noFill/>
                 </a:ln>
@@ -3678,7 +3653,7 @@
               </a:rPr>
             </a:br>
             <a:r>
-              <a:rPr kumimoji="0" lang="en-US" altLang="en-US" b="0" i="0" u="none" strike="noStrike" cap="none" normalizeH="0" baseline="0" dirty="0" smtClean="0">
+              <a:rPr kumimoji="0" lang="en-US" altLang="en-US" b="0" i="0" u="none" strike="noStrike" cap="none" normalizeH="0" baseline="0" dirty="0">
                 <a:ln>
                   <a:noFill/>
                 </a:ln>
@@ -3691,7 +3666,7 @@
               <a:t>    //</a:t>
             </a:r>
             <a:r>
-              <a:rPr kumimoji="0" lang="en-US" altLang="en-US" b="0" i="0" u="none" strike="noStrike" cap="none" normalizeH="0" baseline="0" dirty="0" err="1" smtClean="0">
+              <a:rPr kumimoji="0" lang="en-US" altLang="en-US" b="0" i="0" u="none" strike="noStrike" cap="none" normalizeH="0" baseline="0" dirty="0" err="1">
                 <a:ln>
                   <a:noFill/>
                 </a:ln>
@@ -3704,7 +3679,7 @@
               <a:t>можно</a:t>
             </a:r>
             <a:r>
-              <a:rPr kumimoji="0" lang="en-US" altLang="en-US" b="0" i="0" u="none" strike="noStrike" cap="none" normalizeH="0" baseline="0" dirty="0" smtClean="0">
+              <a:rPr kumimoji="0" lang="en-US" altLang="en-US" b="0" i="0" u="none" strike="noStrike" cap="none" normalizeH="0" baseline="0" dirty="0">
                 <a:ln>
                   <a:noFill/>
                 </a:ln>
@@ -3717,7 +3692,7 @@
               <a:t> </a:t>
             </a:r>
             <a:r>
-              <a:rPr kumimoji="0" lang="en-US" altLang="en-US" b="0" i="0" u="none" strike="noStrike" cap="none" normalizeH="0" baseline="0" dirty="0" err="1" smtClean="0">
+              <a:rPr kumimoji="0" lang="en-US" altLang="en-US" b="0" i="0" u="none" strike="noStrike" cap="none" normalizeH="0" baseline="0" dirty="0" err="1">
                 <a:ln>
                   <a:noFill/>
                 </a:ln>
@@ -3730,7 +3705,7 @@
               <a:t>добавить</a:t>
             </a:r>
             <a:r>
-              <a:rPr kumimoji="0" lang="en-US" altLang="en-US" b="0" i="0" u="none" strike="noStrike" cap="none" normalizeH="0" baseline="0" dirty="0" smtClean="0">
+              <a:rPr kumimoji="0" lang="en-US" altLang="en-US" b="0" i="0" u="none" strike="noStrike" cap="none" normalizeH="0" baseline="0" dirty="0">
                 <a:ln>
                   <a:noFill/>
                 </a:ln>
@@ -3743,7 +3718,7 @@
               <a:t> </a:t>
             </a:r>
             <a:r>
-              <a:rPr kumimoji="0" lang="en-US" altLang="en-US" b="0" i="0" u="none" strike="noStrike" cap="none" normalizeH="0" baseline="0" dirty="0" err="1" smtClean="0">
+              <a:rPr kumimoji="0" lang="en-US" altLang="en-US" b="0" i="0" u="none" strike="noStrike" cap="none" normalizeH="0" baseline="0" dirty="0" err="1">
                 <a:ln>
                   <a:noFill/>
                 </a:ln>
@@ -3756,7 +3731,7 @@
               <a:t>другие</a:t>
             </a:r>
             <a:r>
-              <a:rPr kumimoji="0" lang="en-US" altLang="en-US" b="0" i="0" u="none" strike="noStrike" cap="none" normalizeH="0" baseline="0" dirty="0" smtClean="0">
+              <a:rPr kumimoji="0" lang="en-US" altLang="en-US" b="0" i="0" u="none" strike="noStrike" cap="none" normalizeH="0" baseline="0" dirty="0">
                 <a:ln>
                   <a:noFill/>
                 </a:ln>
@@ -3769,7 +3744,7 @@
               <a:t> </a:t>
             </a:r>
             <a:r>
-              <a:rPr kumimoji="0" lang="en-US" altLang="en-US" b="0" i="0" u="none" strike="noStrike" cap="none" normalizeH="0" baseline="0" dirty="0" err="1" smtClean="0">
+              <a:rPr kumimoji="0" lang="en-US" altLang="en-US" b="0" i="0" u="none" strike="noStrike" cap="none" normalizeH="0" baseline="0" dirty="0" err="1">
                 <a:ln>
                   <a:noFill/>
                 </a:ln>
@@ -3782,7 +3757,7 @@
               <a:t>операции</a:t>
             </a:r>
             <a:r>
-              <a:rPr kumimoji="0" lang="en-US" altLang="en-US" b="0" i="0" u="none" strike="noStrike" cap="none" normalizeH="0" baseline="0" dirty="0" smtClean="0">
+              <a:rPr kumimoji="0" lang="en-US" altLang="en-US" b="0" i="0" u="none" strike="noStrike" cap="none" normalizeH="0" baseline="0" dirty="0">
                 <a:ln>
                   <a:noFill/>
                 </a:ln>
@@ -3795,7 +3770,7 @@
               <a:t> </a:t>
             </a:r>
             <a:r>
-              <a:rPr kumimoji="0" lang="en-US" altLang="en-US" b="0" i="0" u="none" strike="noStrike" cap="none" normalizeH="0" baseline="0" dirty="0" err="1" smtClean="0">
+              <a:rPr kumimoji="0" lang="en-US" altLang="en-US" b="0" i="0" u="none" strike="noStrike" cap="none" normalizeH="0" baseline="0" dirty="0" err="1">
                 <a:ln>
                   <a:noFill/>
                 </a:ln>
@@ -3808,7 +3783,7 @@
               <a:t>над</a:t>
             </a:r>
             <a:r>
-              <a:rPr kumimoji="0" lang="en-US" altLang="en-US" b="0" i="0" u="none" strike="noStrike" cap="none" normalizeH="0" baseline="0" dirty="0" smtClean="0">
+              <a:rPr kumimoji="0" lang="en-US" altLang="en-US" b="0" i="0" u="none" strike="noStrike" cap="none" normalizeH="0" baseline="0" dirty="0">
                 <a:ln>
                   <a:noFill/>
                 </a:ln>
@@ -3821,7 +3796,7 @@
               <a:t> </a:t>
             </a:r>
             <a:r>
-              <a:rPr kumimoji="0" lang="en-US" altLang="en-US" b="0" i="0" u="none" strike="noStrike" cap="none" normalizeH="0" baseline="0" dirty="0" err="1" smtClean="0">
+              <a:rPr kumimoji="0" lang="en-US" altLang="en-US" b="0" i="0" u="none" strike="noStrike" cap="none" normalizeH="0" baseline="0" dirty="0" err="1">
                 <a:ln>
                   <a:noFill/>
                 </a:ln>
@@ -3834,7 +3809,7 @@
               <a:t>объектом</a:t>
             </a:r>
             <a:r>
-              <a:rPr kumimoji="0" lang="en-US" altLang="en-US" b="0" i="0" u="none" strike="noStrike" cap="none" normalizeH="0" baseline="0" dirty="0" smtClean="0">
+              <a:rPr kumimoji="0" lang="en-US" altLang="en-US" b="0" i="0" u="none" strike="noStrike" cap="none" normalizeH="0" baseline="0" dirty="0">
                 <a:ln>
                   <a:noFill/>
                 </a:ln>
@@ -3847,7 +3822,7 @@
               <a:t>.</a:t>
             </a:r>
             <a:br>
-              <a:rPr kumimoji="0" lang="en-US" altLang="en-US" b="0" i="0" u="none" strike="noStrike" cap="none" normalizeH="0" baseline="0" dirty="0" smtClean="0">
+              <a:rPr kumimoji="0" lang="en-US" altLang="en-US" b="0" i="0" u="none" strike="noStrike" cap="none" normalizeH="0" baseline="0" dirty="0">
                 <a:ln>
                   <a:noFill/>
                 </a:ln>
@@ -3859,7 +3834,7 @@
               </a:rPr>
             </a:br>
             <a:r>
-              <a:rPr kumimoji="0" lang="en-US" altLang="en-US" b="0" i="0" u="none" strike="noStrike" cap="none" normalizeH="0" baseline="0" dirty="0" smtClean="0">
+              <a:rPr kumimoji="0" lang="en-US" altLang="en-US" b="0" i="0" u="none" strike="noStrike" cap="none" normalizeH="0" baseline="0" dirty="0">
                 <a:ln>
                   <a:noFill/>
                 </a:ln>
@@ -3872,7 +3847,7 @@
               <a:t>    </a:t>
             </a:r>
             <a:r>
-              <a:rPr kumimoji="0" lang="en-US" altLang="en-US" b="0" i="0" u="none" strike="noStrike" cap="none" normalizeH="0" baseline="0" dirty="0" smtClean="0">
+              <a:rPr kumimoji="0" lang="en-US" altLang="en-US" b="0" i="0" u="none" strike="noStrike" cap="none" normalizeH="0" baseline="0" dirty="0">
                 <a:ln>
                   <a:noFill/>
                 </a:ln>
@@ -3885,7 +3860,7 @@
               <a:t>return </a:t>
             </a:r>
             <a:r>
-              <a:rPr kumimoji="0" lang="en-US" altLang="en-US" b="0" i="0" u="none" strike="noStrike" cap="none" normalizeH="0" baseline="0" dirty="0" smtClean="0">
+              <a:rPr kumimoji="0" lang="en-US" altLang="en-US" b="0" i="0" u="none" strike="noStrike" cap="none" normalizeH="0" baseline="0" dirty="0">
                 <a:ln>
                   <a:noFill/>
                 </a:ln>
@@ -3898,7 +3873,7 @@
               <a:t>person</a:t>
             </a:r>
             <a:r>
-              <a:rPr kumimoji="0" lang="en-US" altLang="en-US" b="0" i="0" u="none" strike="noStrike" cap="none" normalizeH="0" baseline="0" dirty="0" smtClean="0">
+              <a:rPr kumimoji="0" lang="en-US" altLang="en-US" b="0" i="0" u="none" strike="noStrike" cap="none" normalizeH="0" baseline="0" dirty="0">
                 <a:ln>
                   <a:noFill/>
                 </a:ln>
@@ -3911,7 +3886,7 @@
               <a:t>;</a:t>
             </a:r>
             <a:br>
-              <a:rPr kumimoji="0" lang="en-US" altLang="en-US" b="0" i="0" u="none" strike="noStrike" cap="none" normalizeH="0" baseline="0" dirty="0" smtClean="0">
+              <a:rPr kumimoji="0" lang="en-US" altLang="en-US" b="0" i="0" u="none" strike="noStrike" cap="none" normalizeH="0" baseline="0" dirty="0">
                 <a:ln>
                   <a:noFill/>
                 </a:ln>
@@ -3923,7 +3898,7 @@
               </a:rPr>
             </a:br>
             <a:r>
-              <a:rPr kumimoji="0" lang="en-US" altLang="en-US" b="0" i="0" u="none" strike="noStrike" cap="none" normalizeH="0" baseline="0" dirty="0" smtClean="0">
+              <a:rPr kumimoji="0" lang="en-US" altLang="en-US" b="0" i="0" u="none" strike="noStrike" cap="none" normalizeH="0" baseline="0" dirty="0">
                 <a:ln>
                   <a:noFill/>
                 </a:ln>
@@ -3935,7 +3910,7 @@
               </a:rPr>
               <a:t>}</a:t>
             </a:r>
-            <a:endParaRPr kumimoji="0" lang="en-US" altLang="en-US" sz="4400" b="0" i="0" u="none" strike="noStrike" cap="none" normalizeH="0" baseline="0" dirty="0" smtClean="0">
+            <a:endParaRPr kumimoji="0" lang="en-US" altLang="en-US" sz="4400" b="0" i="0" u="none" strike="noStrike" cap="none" normalizeH="0" baseline="0" dirty="0">
               <a:ln>
                 <a:noFill/>
               </a:ln>
@@ -3999,57 +3974,53 @@
           <a:lstStyle/>
           <a:p>
             <a:r>
-              <a:rPr lang="ru-RU" dirty="0" smtClean="0"/>
+              <a:rPr lang="ru-RU" dirty="0"/>
               <a:t>В определении </a:t>
             </a:r>
             <a:r>
-              <a:rPr lang="ru-RU" dirty="0" err="1" smtClean="0"/>
+              <a:rPr lang="ru-RU" dirty="0" err="1"/>
               <a:t>бина</a:t>
             </a:r>
             <a:r>
-              <a:rPr lang="ru-RU" dirty="0" smtClean="0"/>
+              <a:rPr lang="ru-RU" dirty="0"/>
               <a:t> указать</a:t>
             </a:r>
             <a:r>
-              <a:rPr lang="en-US" dirty="0" smtClean="0"/>
+              <a:rPr lang="en-US" dirty="0"/>
               <a:t> </a:t>
             </a:r>
             <a:r>
-              <a:rPr lang="ru-RU" dirty="0" smtClean="0"/>
+              <a:rPr lang="ru-RU" dirty="0"/>
               <a:t>этот метод в качестве </a:t>
             </a:r>
             <a:r>
-              <a:rPr lang="en-US" dirty="0" smtClean="0"/>
+              <a:rPr lang="en-US" dirty="0"/>
               <a:t>factory-method:</a:t>
             </a:r>
-            <a:endParaRPr lang="ru-RU" dirty="0" smtClean="0"/>
-          </a:p>
-          <a:p>
             <a:endParaRPr lang="ru-RU" dirty="0"/>
           </a:p>
           <a:p>
-            <a:endParaRPr lang="ru-RU" dirty="0" smtClean="0"/>
-          </a:p>
-          <a:p>
             <a:endParaRPr lang="ru-RU" dirty="0"/>
           </a:p>
           <a:p>
-            <a:endParaRPr lang="ru-RU" dirty="0" smtClean="0"/>
+            <a:endParaRPr lang="ru-RU" dirty="0"/>
+          </a:p>
+          <a:p>
+            <a:endParaRPr lang="ru-RU" dirty="0"/>
+          </a:p>
+          <a:p>
+            <a:endParaRPr lang="ru-RU" dirty="0"/>
           </a:p>
           <a:p>
             <a:pPr marL="0" indent="0">
               <a:buNone/>
             </a:pPr>
             <a:r>
-              <a:rPr lang="ru-RU" dirty="0" smtClean="0"/>
-              <a:t>Как видно из примера, используя такой подход можно добавить какую-то дополнительную логику в фабричном методе, отличную от дефолтного фабричного метода </a:t>
-            </a:r>
-            <a:r>
-              <a:rPr lang="en-US" dirty="0" err="1" smtClean="0"/>
-              <a:t>Spring’a</a:t>
-            </a:r>
-            <a:r>
-              <a:rPr lang="en-US" dirty="0" smtClean="0"/>
+              <a:rPr lang="ru-RU" dirty="0"/>
+              <a:t>Как видно из примера, используя такой подход можно добавить какую-то дополнительную логику в фабричном методе</a:t>
+            </a:r>
+            <a:r>
+              <a:rPr lang="en-US" dirty="0"/>
               <a:t>.</a:t>
             </a:r>
           </a:p>
@@ -4126,7 +4097,7 @@
               <a:tabLst/>
             </a:pPr>
             <a:r>
-              <a:rPr kumimoji="0" lang="en-US" altLang="en-US" sz="2000" b="0" i="0" u="none" strike="noStrike" cap="none" normalizeH="0" baseline="0" dirty="0" smtClean="0">
+              <a:rPr kumimoji="0" lang="en-US" altLang="en-US" sz="2000" b="0" i="0" u="none" strike="noStrike" cap="none" normalizeH="0" baseline="0" dirty="0">
                 <a:ln>
                   <a:noFill/>
                 </a:ln>
@@ -4139,7 +4110,7 @@
               <a:t>&lt;bean </a:t>
             </a:r>
             <a:r>
-              <a:rPr kumimoji="0" lang="en-US" altLang="en-US" sz="2000" b="0" i="0" u="none" strike="noStrike" cap="none" normalizeH="0" baseline="0" dirty="0" smtClean="0">
+              <a:rPr kumimoji="0" lang="en-US" altLang="en-US" sz="2000" b="0" i="0" u="none" strike="noStrike" cap="none" normalizeH="0" baseline="0" dirty="0">
                 <a:ln>
                   <a:noFill/>
                 </a:ln>
@@ -4152,7 +4123,7 @@
               <a:t>id</a:t>
             </a:r>
             <a:r>
-              <a:rPr kumimoji="0" lang="en-US" altLang="en-US" sz="2000" b="0" i="0" u="none" strike="noStrike" cap="none" normalizeH="0" baseline="0" dirty="0" smtClean="0">
+              <a:rPr kumimoji="0" lang="en-US" altLang="en-US" sz="2000" b="0" i="0" u="none" strike="noStrike" cap="none" normalizeH="0" baseline="0" dirty="0">
                 <a:ln>
                   <a:noFill/>
                 </a:ln>
@@ -4165,7 +4136,7 @@
               <a:t>="person" </a:t>
             </a:r>
             <a:r>
-              <a:rPr kumimoji="0" lang="en-US" altLang="en-US" sz="2000" b="0" i="0" u="none" strike="noStrike" cap="none" normalizeH="0" baseline="0" dirty="0" smtClean="0">
+              <a:rPr kumimoji="0" lang="en-US" altLang="en-US" sz="2000" b="0" i="0" u="none" strike="noStrike" cap="none" normalizeH="0" baseline="0" dirty="0">
                 <a:ln>
                   <a:noFill/>
                 </a:ln>
@@ -4178,7 +4149,7 @@
               <a:t>class</a:t>
             </a:r>
             <a:r>
-              <a:rPr kumimoji="0" lang="en-US" altLang="en-US" sz="2000" b="0" i="0" u="none" strike="noStrike" cap="none" normalizeH="0" baseline="0" dirty="0" smtClean="0">
+              <a:rPr kumimoji="0" lang="en-US" altLang="en-US" sz="2000" b="0" i="0" u="none" strike="noStrike" cap="none" normalizeH="0" baseline="0" dirty="0">
                 <a:ln>
                   <a:noFill/>
                 </a:ln>
@@ -4191,7 +4162,7 @@
               <a:t>="com.volkov.IoC.example4.Person"</a:t>
             </a:r>
             <a:br>
-              <a:rPr kumimoji="0" lang="en-US" altLang="en-US" sz="2000" b="0" i="0" u="none" strike="noStrike" cap="none" normalizeH="0" baseline="0" dirty="0" smtClean="0">
+              <a:rPr kumimoji="0" lang="en-US" altLang="en-US" sz="2000" b="0" i="0" u="none" strike="noStrike" cap="none" normalizeH="0" baseline="0" dirty="0">
                 <a:ln>
                   <a:noFill/>
                 </a:ln>
@@ -4203,7 +4174,7 @@
               </a:rPr>
             </a:br>
             <a:r>
-              <a:rPr kumimoji="0" lang="en-US" altLang="en-US" sz="2000" b="0" i="0" u="none" strike="noStrike" cap="none" normalizeH="0" baseline="0" dirty="0" smtClean="0">
+              <a:rPr kumimoji="0" lang="en-US" altLang="en-US" sz="2000" b="0" i="0" u="none" strike="noStrike" cap="none" normalizeH="0" baseline="0" dirty="0">
                 <a:ln>
                   <a:noFill/>
                 </a:ln>
@@ -4216,7 +4187,7 @@
               <a:t>factory-method</a:t>
             </a:r>
             <a:r>
-              <a:rPr kumimoji="0" lang="en-US" altLang="en-US" sz="2000" b="0" i="0" u="none" strike="noStrike" cap="none" normalizeH="0" baseline="0" dirty="0" smtClean="0">
+              <a:rPr kumimoji="0" lang="en-US" altLang="en-US" sz="2000" b="0" i="0" u="none" strike="noStrike" cap="none" normalizeH="0" baseline="0" dirty="0">
                 <a:ln>
                   <a:noFill/>
                 </a:ln>
@@ -4229,7 +4200,7 @@
               <a:t>="</a:t>
             </a:r>
             <a:r>
-              <a:rPr kumimoji="0" lang="en-US" altLang="en-US" sz="2000" b="0" i="0" u="none" strike="noStrike" cap="none" normalizeH="0" baseline="0" dirty="0" err="1" smtClean="0">
+              <a:rPr kumimoji="0" lang="en-US" altLang="en-US" sz="2000" b="0" i="0" u="none" strike="noStrike" cap="none" normalizeH="0" baseline="0" dirty="0" err="1">
                 <a:ln>
                   <a:noFill/>
                 </a:ln>
@@ -4242,7 +4213,7 @@
               <a:t>createInstance</a:t>
             </a:r>
             <a:r>
-              <a:rPr kumimoji="0" lang="en-US" altLang="en-US" sz="2000" b="0" i="0" u="none" strike="noStrike" cap="none" normalizeH="0" baseline="0" dirty="0" smtClean="0">
+              <a:rPr kumimoji="0" lang="en-US" altLang="en-US" sz="2000" b="0" i="0" u="none" strike="noStrike" cap="none" normalizeH="0" baseline="0" dirty="0">
                 <a:ln>
                   <a:noFill/>
                 </a:ln>
@@ -4255,7 +4226,7 @@
               <a:t>"</a:t>
             </a:r>
             <a:r>
-              <a:rPr kumimoji="0" lang="en-US" altLang="en-US" sz="2000" b="0" i="0" u="none" strike="noStrike" cap="none" normalizeH="0" baseline="0" dirty="0" smtClean="0">
+              <a:rPr kumimoji="0" lang="en-US" altLang="en-US" sz="2000" b="0" i="0" u="none" strike="noStrike" cap="none" normalizeH="0" baseline="0" dirty="0">
                 <a:ln>
                   <a:noFill/>
                 </a:ln>
@@ -4268,7 +4239,7 @@
               <a:t>&gt;</a:t>
             </a:r>
             <a:br>
-              <a:rPr kumimoji="0" lang="en-US" altLang="en-US" sz="2000" b="0" i="0" u="none" strike="noStrike" cap="none" normalizeH="0" baseline="0" dirty="0" smtClean="0">
+              <a:rPr kumimoji="0" lang="en-US" altLang="en-US" sz="2000" b="0" i="0" u="none" strike="noStrike" cap="none" normalizeH="0" baseline="0" dirty="0">
                 <a:ln>
                   <a:noFill/>
                 </a:ln>
@@ -4280,7 +4251,7 @@
               </a:rPr>
             </a:br>
             <a:r>
-              <a:rPr kumimoji="0" lang="en-US" altLang="en-US" sz="2000" b="0" i="0" u="none" strike="noStrike" cap="none" normalizeH="0" baseline="0" dirty="0" smtClean="0">
+              <a:rPr kumimoji="0" lang="en-US" altLang="en-US" sz="2000" b="0" i="0" u="none" strike="noStrike" cap="none" normalizeH="0" baseline="0" dirty="0">
                 <a:ln>
                   <a:noFill/>
                 </a:ln>
@@ -4293,7 +4264,7 @@
               <a:t>    &lt;constructor-</a:t>
             </a:r>
             <a:r>
-              <a:rPr kumimoji="0" lang="en-US" altLang="en-US" sz="2000" b="0" i="0" u="none" strike="noStrike" cap="none" normalizeH="0" baseline="0" dirty="0" err="1" smtClean="0">
+              <a:rPr kumimoji="0" lang="en-US" altLang="en-US" sz="2000" b="0" i="0" u="none" strike="noStrike" cap="none" normalizeH="0" baseline="0" dirty="0" err="1">
                 <a:ln>
                   <a:noFill/>
                 </a:ln>
@@ -4306,7 +4277,7 @@
               <a:t>arg</a:t>
             </a:r>
             <a:r>
-              <a:rPr kumimoji="0" lang="en-US" altLang="en-US" sz="2000" b="0" i="0" u="none" strike="noStrike" cap="none" normalizeH="0" baseline="0" dirty="0" smtClean="0">
+              <a:rPr kumimoji="0" lang="en-US" altLang="en-US" sz="2000" b="0" i="0" u="none" strike="noStrike" cap="none" normalizeH="0" baseline="0" dirty="0">
                 <a:ln>
                   <a:noFill/>
                 </a:ln>
@@ -4319,7 +4290,7 @@
               <a:t> </a:t>
             </a:r>
             <a:r>
-              <a:rPr kumimoji="0" lang="en-US" altLang="en-US" sz="2000" b="0" i="0" u="none" strike="noStrike" cap="none" normalizeH="0" baseline="0" dirty="0" smtClean="0">
+              <a:rPr kumimoji="0" lang="en-US" altLang="en-US" sz="2000" b="0" i="0" u="none" strike="noStrike" cap="none" normalizeH="0" baseline="0" dirty="0">
                 <a:ln>
                   <a:noFill/>
                 </a:ln>
@@ -4332,7 +4303,7 @@
               <a:t>name</a:t>
             </a:r>
             <a:r>
-              <a:rPr kumimoji="0" lang="en-US" altLang="en-US" sz="2000" b="0" i="0" u="none" strike="noStrike" cap="none" normalizeH="0" baseline="0" dirty="0" smtClean="0">
+              <a:rPr kumimoji="0" lang="en-US" altLang="en-US" sz="2000" b="0" i="0" u="none" strike="noStrike" cap="none" normalizeH="0" baseline="0" dirty="0">
                 <a:ln>
                   <a:noFill/>
                 </a:ln>
@@ -4345,7 +4316,7 @@
               <a:t>="name" </a:t>
             </a:r>
             <a:r>
-              <a:rPr kumimoji="0" lang="en-US" altLang="en-US" sz="2000" b="0" i="0" u="none" strike="noStrike" cap="none" normalizeH="0" baseline="0" dirty="0" smtClean="0">
+              <a:rPr kumimoji="0" lang="en-US" altLang="en-US" sz="2000" b="0" i="0" u="none" strike="noStrike" cap="none" normalizeH="0" baseline="0" dirty="0">
                 <a:ln>
                   <a:noFill/>
                 </a:ln>
@@ -4358,7 +4329,7 @@
               <a:t>value</a:t>
             </a:r>
             <a:r>
-              <a:rPr kumimoji="0" lang="en-US" altLang="en-US" sz="2000" b="0" i="0" u="none" strike="noStrike" cap="none" normalizeH="0" baseline="0" dirty="0" smtClean="0">
+              <a:rPr kumimoji="0" lang="en-US" altLang="en-US" sz="2000" b="0" i="0" u="none" strike="noStrike" cap="none" normalizeH="0" baseline="0" dirty="0">
                 <a:ln>
                   <a:noFill/>
                 </a:ln>
@@ -4371,7 +4342,7 @@
               <a:t>="Ivan"</a:t>
             </a:r>
             <a:r>
-              <a:rPr kumimoji="0" lang="en-US" altLang="en-US" sz="2000" b="0" i="0" u="none" strike="noStrike" cap="none" normalizeH="0" baseline="0" dirty="0" smtClean="0">
+              <a:rPr kumimoji="0" lang="en-US" altLang="en-US" sz="2000" b="0" i="0" u="none" strike="noStrike" cap="none" normalizeH="0" baseline="0" dirty="0">
                 <a:ln>
                   <a:noFill/>
                 </a:ln>
@@ -4384,7 +4355,7 @@
               <a:t>/&gt;</a:t>
             </a:r>
             <a:br>
-              <a:rPr kumimoji="0" lang="en-US" altLang="en-US" sz="2000" b="0" i="0" u="none" strike="noStrike" cap="none" normalizeH="0" baseline="0" dirty="0" smtClean="0">
+              <a:rPr kumimoji="0" lang="en-US" altLang="en-US" sz="2000" b="0" i="0" u="none" strike="noStrike" cap="none" normalizeH="0" baseline="0" dirty="0">
                 <a:ln>
                   <a:noFill/>
                 </a:ln>
@@ -4396,7 +4367,7 @@
               </a:rPr>
             </a:br>
             <a:r>
-              <a:rPr kumimoji="0" lang="en-US" altLang="en-US" sz="2000" b="0" i="0" u="none" strike="noStrike" cap="none" normalizeH="0" baseline="0" dirty="0" smtClean="0">
+              <a:rPr kumimoji="0" lang="en-US" altLang="en-US" sz="2000" b="0" i="0" u="none" strike="noStrike" cap="none" normalizeH="0" baseline="0" dirty="0">
                 <a:ln>
                   <a:noFill/>
                 </a:ln>
@@ -4409,7 +4380,7 @@
               <a:t>    &lt;constructor-</a:t>
             </a:r>
             <a:r>
-              <a:rPr kumimoji="0" lang="en-US" altLang="en-US" sz="2000" b="0" i="0" u="none" strike="noStrike" cap="none" normalizeH="0" baseline="0" dirty="0" err="1" smtClean="0">
+              <a:rPr kumimoji="0" lang="en-US" altLang="en-US" sz="2000" b="0" i="0" u="none" strike="noStrike" cap="none" normalizeH="0" baseline="0" dirty="0" err="1">
                 <a:ln>
                   <a:noFill/>
                 </a:ln>
@@ -4422,7 +4393,7 @@
               <a:t>arg</a:t>
             </a:r>
             <a:r>
-              <a:rPr kumimoji="0" lang="en-US" altLang="en-US" sz="2000" b="0" i="0" u="none" strike="noStrike" cap="none" normalizeH="0" baseline="0" dirty="0" smtClean="0">
+              <a:rPr kumimoji="0" lang="en-US" altLang="en-US" sz="2000" b="0" i="0" u="none" strike="noStrike" cap="none" normalizeH="0" baseline="0" dirty="0">
                 <a:ln>
                   <a:noFill/>
                 </a:ln>
@@ -4435,7 +4406,7 @@
               <a:t> </a:t>
             </a:r>
             <a:r>
-              <a:rPr kumimoji="0" lang="en-US" altLang="en-US" sz="2000" b="0" i="0" u="none" strike="noStrike" cap="none" normalizeH="0" baseline="0" dirty="0" smtClean="0">
+              <a:rPr kumimoji="0" lang="en-US" altLang="en-US" sz="2000" b="0" i="0" u="none" strike="noStrike" cap="none" normalizeH="0" baseline="0" dirty="0">
                 <a:ln>
                   <a:noFill/>
                 </a:ln>
@@ -4448,7 +4419,7 @@
               <a:t>name</a:t>
             </a:r>
             <a:r>
-              <a:rPr kumimoji="0" lang="en-US" altLang="en-US" sz="2000" b="0" i="0" u="none" strike="noStrike" cap="none" normalizeH="0" baseline="0" dirty="0" smtClean="0">
+              <a:rPr kumimoji="0" lang="en-US" altLang="en-US" sz="2000" b="0" i="0" u="none" strike="noStrike" cap="none" normalizeH="0" baseline="0" dirty="0">
                 <a:ln>
                   <a:noFill/>
                 </a:ln>
@@ -4461,7 +4432,7 @@
               <a:t>="age" </a:t>
             </a:r>
             <a:r>
-              <a:rPr kumimoji="0" lang="en-US" altLang="en-US" sz="2000" b="0" i="0" u="none" strike="noStrike" cap="none" normalizeH="0" baseline="0" dirty="0" smtClean="0">
+              <a:rPr kumimoji="0" lang="en-US" altLang="en-US" sz="2000" b="0" i="0" u="none" strike="noStrike" cap="none" normalizeH="0" baseline="0" dirty="0">
                 <a:ln>
                   <a:noFill/>
                 </a:ln>
@@ -4474,7 +4445,7 @@
               <a:t>value</a:t>
             </a:r>
             <a:r>
-              <a:rPr kumimoji="0" lang="en-US" altLang="en-US" sz="2000" b="0" i="0" u="none" strike="noStrike" cap="none" normalizeH="0" baseline="0" dirty="0" smtClean="0">
+              <a:rPr kumimoji="0" lang="en-US" altLang="en-US" sz="2000" b="0" i="0" u="none" strike="noStrike" cap="none" normalizeH="0" baseline="0" dirty="0">
                 <a:ln>
                   <a:noFill/>
                 </a:ln>
@@ -4487,7 +4458,7 @@
               <a:t>="29"</a:t>
             </a:r>
             <a:r>
-              <a:rPr kumimoji="0" lang="en-US" altLang="en-US" sz="2000" b="0" i="0" u="none" strike="noStrike" cap="none" normalizeH="0" baseline="0" dirty="0" smtClean="0">
+              <a:rPr kumimoji="0" lang="en-US" altLang="en-US" sz="2000" b="0" i="0" u="none" strike="noStrike" cap="none" normalizeH="0" baseline="0" dirty="0">
                 <a:ln>
                   <a:noFill/>
                 </a:ln>
@@ -4500,7 +4471,7 @@
               <a:t>/&gt;</a:t>
             </a:r>
             <a:br>
-              <a:rPr kumimoji="0" lang="en-US" altLang="en-US" sz="2000" b="0" i="0" u="none" strike="noStrike" cap="none" normalizeH="0" baseline="0" dirty="0" smtClean="0">
+              <a:rPr kumimoji="0" lang="en-US" altLang="en-US" sz="2000" b="0" i="0" u="none" strike="noStrike" cap="none" normalizeH="0" baseline="0" dirty="0">
                 <a:ln>
                   <a:noFill/>
                 </a:ln>
@@ -4512,7 +4483,7 @@
               </a:rPr>
             </a:br>
             <a:r>
-              <a:rPr kumimoji="0" lang="en-US" altLang="en-US" sz="2000" b="0" i="0" u="none" strike="noStrike" cap="none" normalizeH="0" baseline="0" dirty="0" smtClean="0">
+              <a:rPr kumimoji="0" lang="en-US" altLang="en-US" sz="2000" b="0" i="0" u="none" strike="noStrike" cap="none" normalizeH="0" baseline="0" dirty="0">
                 <a:ln>
                   <a:noFill/>
                 </a:ln>
@@ -4524,7 +4495,7 @@
               </a:rPr>
               <a:t>&lt;/bean&gt;</a:t>
             </a:r>
-            <a:endParaRPr kumimoji="0" lang="en-US" altLang="en-US" sz="4800" b="0" i="0" u="none" strike="noStrike" cap="none" normalizeH="0" baseline="0" dirty="0" smtClean="0">
+            <a:endParaRPr kumimoji="0" lang="en-US" altLang="en-US" sz="4800" b="0" i="0" u="none" strike="noStrike" cap="none" normalizeH="0" baseline="0" dirty="0">
               <a:ln>
                 <a:noFill/>
               </a:ln>
